--- a/raw/RxJava_call_stack.pptx
+++ b/raw/RxJava_call_stack.pptx
@@ -8,6 +8,7 @@
     <p:sldId id="256" r:id="rId2"/>
     <p:sldId id="257" r:id="rId3"/>
     <p:sldId id="259" r:id="rId4"/>
+    <p:sldId id="260" r:id="rId5"/>
   </p:sldIdLst>
   <p:sldSz cx="12192000" cy="6858000"/>
   <p:notesSz cx="6858000" cy="9144000"/>
@@ -245,7 +246,7 @@
           <a:p>
             <a:fld id="{EF495657-9FD4-6C41-9373-3E73595B93EA}" type="datetimeFigureOut">
               <a:rPr lang="en-US" smtClean="0"/>
-              <a:t>9/16/16</a:t>
+              <a:t>10/14/16</a:t>
             </a:fld>
             <a:endParaRPr lang="en-US"/>
           </a:p>
@@ -415,7 +416,7 @@
           <a:p>
             <a:fld id="{EF495657-9FD4-6C41-9373-3E73595B93EA}" type="datetimeFigureOut">
               <a:rPr lang="en-US" smtClean="0"/>
-              <a:t>9/16/16</a:t>
+              <a:t>10/14/16</a:t>
             </a:fld>
             <a:endParaRPr lang="en-US"/>
           </a:p>
@@ -595,7 +596,7 @@
           <a:p>
             <a:fld id="{EF495657-9FD4-6C41-9373-3E73595B93EA}" type="datetimeFigureOut">
               <a:rPr lang="en-US" smtClean="0"/>
-              <a:t>9/16/16</a:t>
+              <a:t>10/14/16</a:t>
             </a:fld>
             <a:endParaRPr lang="en-US"/>
           </a:p>
@@ -765,7 +766,7 @@
           <a:p>
             <a:fld id="{EF495657-9FD4-6C41-9373-3E73595B93EA}" type="datetimeFigureOut">
               <a:rPr lang="en-US" smtClean="0"/>
-              <a:t>9/16/16</a:t>
+              <a:t>10/14/16</a:t>
             </a:fld>
             <a:endParaRPr lang="en-US"/>
           </a:p>
@@ -1011,7 +1012,7 @@
           <a:p>
             <a:fld id="{EF495657-9FD4-6C41-9373-3E73595B93EA}" type="datetimeFigureOut">
               <a:rPr lang="en-US" smtClean="0"/>
-              <a:t>9/16/16</a:t>
+              <a:t>10/14/16</a:t>
             </a:fld>
             <a:endParaRPr lang="en-US"/>
           </a:p>
@@ -1243,7 +1244,7 @@
           <a:p>
             <a:fld id="{EF495657-9FD4-6C41-9373-3E73595B93EA}" type="datetimeFigureOut">
               <a:rPr lang="en-US" smtClean="0"/>
-              <a:t>9/16/16</a:t>
+              <a:t>10/14/16</a:t>
             </a:fld>
             <a:endParaRPr lang="en-US"/>
           </a:p>
@@ -1610,7 +1611,7 @@
           <a:p>
             <a:fld id="{EF495657-9FD4-6C41-9373-3E73595B93EA}" type="datetimeFigureOut">
               <a:rPr lang="en-US" smtClean="0"/>
-              <a:t>9/16/16</a:t>
+              <a:t>10/14/16</a:t>
             </a:fld>
             <a:endParaRPr lang="en-US"/>
           </a:p>
@@ -1728,7 +1729,7 @@
           <a:p>
             <a:fld id="{EF495657-9FD4-6C41-9373-3E73595B93EA}" type="datetimeFigureOut">
               <a:rPr lang="en-US" smtClean="0"/>
-              <a:t>9/16/16</a:t>
+              <a:t>10/14/16</a:t>
             </a:fld>
             <a:endParaRPr lang="en-US"/>
           </a:p>
@@ -1823,7 +1824,7 @@
           <a:p>
             <a:fld id="{EF495657-9FD4-6C41-9373-3E73595B93EA}" type="datetimeFigureOut">
               <a:rPr lang="en-US" smtClean="0"/>
-              <a:t>9/16/16</a:t>
+              <a:t>10/14/16</a:t>
             </a:fld>
             <a:endParaRPr lang="en-US"/>
           </a:p>
@@ -2100,7 +2101,7 @@
           <a:p>
             <a:fld id="{EF495657-9FD4-6C41-9373-3E73595B93EA}" type="datetimeFigureOut">
               <a:rPr lang="en-US" smtClean="0"/>
-              <a:t>9/16/16</a:t>
+              <a:t>10/14/16</a:t>
             </a:fld>
             <a:endParaRPr lang="en-US"/>
           </a:p>
@@ -2353,7 +2354,7 @@
           <a:p>
             <a:fld id="{EF495657-9FD4-6C41-9373-3E73595B93EA}" type="datetimeFigureOut">
               <a:rPr lang="en-US" smtClean="0"/>
-              <a:t>9/16/16</a:t>
+              <a:t>10/14/16</a:t>
             </a:fld>
             <a:endParaRPr lang="en-US"/>
           </a:p>
@@ -2566,7 +2567,7 @@
           <a:p>
             <a:fld id="{EF495657-9FD4-6C41-9373-3E73595B93EA}" type="datetimeFigureOut">
               <a:rPr lang="en-US" smtClean="0"/>
-              <a:t>9/16/16</a:t>
+              <a:t>10/14/16</a:t>
             </a:fld>
             <a:endParaRPr lang="en-US"/>
           </a:p>
@@ -5268,7 +5269,6 @@
                 <a:rPr lang="en-US" sz="1600" dirty="0"/>
                 <a:t>#onNext</a:t>
               </a:r>
-              <a:endParaRPr lang="en-US" sz="1600" dirty="0"/>
             </a:p>
           </p:txBody>
         </p:sp>
@@ -5323,6 +5323,912 @@
     <p:extLst>
       <p:ext uri="{BB962C8B-B14F-4D97-AF65-F5344CB8AC3E}">
         <p14:creationId xmlns:p14="http://schemas.microsoft.com/office/powerpoint/2010/main" val="1291302172"/>
+      </p:ext>
+    </p:extLst>
+  </p:cSld>
+  <p:clrMapOvr>
+    <a:masterClrMapping/>
+  </p:clrMapOvr>
+</p:sld>
+</file>
+
+<file path=ppt/slides/slide4.xml><?xml version="1.0" encoding="utf-8"?>
+<p:sld xmlns:a="http://schemas.openxmlformats.org/drawingml/2006/main" xmlns:r="http://schemas.openxmlformats.org/officeDocument/2006/relationships" xmlns:p="http://schemas.openxmlformats.org/presentationml/2006/main">
+  <p:cSld>
+    <p:spTree>
+      <p:nvGrpSpPr>
+        <p:cNvPr id="1" name=""/>
+        <p:cNvGrpSpPr/>
+        <p:nvPr/>
+      </p:nvGrpSpPr>
+      <p:grpSpPr>
+        <a:xfrm>
+          <a:off x="0" y="0"/>
+          <a:ext cx="0" cy="0"/>
+          <a:chOff x="0" y="0"/>
+          <a:chExt cx="0" cy="0"/>
+        </a:xfrm>
+      </p:grpSpPr>
+      <p:grpSp>
+        <p:nvGrpSpPr>
+          <p:cNvPr id="4" name="Group 3"/>
+          <p:cNvGrpSpPr/>
+          <p:nvPr/>
+        </p:nvGrpSpPr>
+        <p:grpSpPr>
+          <a:xfrm>
+            <a:off x="1815548" y="689112"/>
+            <a:ext cx="8362122" cy="5488697"/>
+            <a:chOff x="1365662" y="766450"/>
+            <a:chExt cx="8812008" cy="6339010"/>
+          </a:xfrm>
+        </p:grpSpPr>
+        <p:sp>
+          <p:nvSpPr>
+            <p:cNvPr id="28" name="Rounded Rectangle 27"/>
+            <p:cNvSpPr/>
+            <p:nvPr/>
+          </p:nvSpPr>
+          <p:spPr>
+            <a:xfrm>
+              <a:off x="1365662" y="5343601"/>
+              <a:ext cx="8812008" cy="845304"/>
+            </a:xfrm>
+            <a:prstGeom prst="roundRect">
+              <a:avLst/>
+            </a:prstGeom>
+          </p:spPr>
+          <p:style>
+            <a:lnRef idx="2">
+              <a:schemeClr val="accent6"/>
+            </a:lnRef>
+            <a:fillRef idx="1">
+              <a:schemeClr val="lt1"/>
+            </a:fillRef>
+            <a:effectRef idx="0">
+              <a:schemeClr val="accent6"/>
+            </a:effectRef>
+            <a:fontRef idx="minor">
+              <a:schemeClr val="dk1"/>
+            </a:fontRef>
+          </p:style>
+          <p:txBody>
+            <a:bodyPr rtlCol="0" anchor="ctr"/>
+            <a:lstStyle/>
+            <a:p>
+              <a:r>
+                <a:rPr lang="en-US" altLang="zh-CN" dirty="0" err="1" smtClean="0"/>
+                <a:t>observeOn</a:t>
+              </a:r>
+              <a:endParaRPr lang="en-US" dirty="0"/>
+            </a:p>
+          </p:txBody>
+        </p:sp>
+        <p:sp>
+          <p:nvSpPr>
+            <p:cNvPr id="26" name="Rounded Rectangle 25"/>
+            <p:cNvSpPr/>
+            <p:nvPr/>
+          </p:nvSpPr>
+          <p:spPr>
+            <a:xfrm>
+              <a:off x="1365662" y="4259927"/>
+              <a:ext cx="8812008" cy="845304"/>
+            </a:xfrm>
+            <a:prstGeom prst="roundRect">
+              <a:avLst/>
+            </a:prstGeom>
+          </p:spPr>
+          <p:style>
+            <a:lnRef idx="2">
+              <a:schemeClr val="accent6"/>
+            </a:lnRef>
+            <a:fillRef idx="1">
+              <a:schemeClr val="lt1"/>
+            </a:fillRef>
+            <a:effectRef idx="0">
+              <a:schemeClr val="accent6"/>
+            </a:effectRef>
+            <a:fontRef idx="minor">
+              <a:schemeClr val="dk1"/>
+            </a:fontRef>
+          </p:style>
+          <p:txBody>
+            <a:bodyPr rtlCol="0" anchor="ctr"/>
+            <a:lstStyle/>
+            <a:p>
+              <a:r>
+                <a:rPr lang="en-US" altLang="zh-CN" dirty="0" err="1" smtClean="0"/>
+                <a:t>subscribeOn</a:t>
+              </a:r>
+              <a:endParaRPr lang="en-US" dirty="0"/>
+            </a:p>
+          </p:txBody>
+        </p:sp>
+        <p:sp>
+          <p:nvSpPr>
+            <p:cNvPr id="23" name="Rounded Rectangle 22"/>
+            <p:cNvSpPr/>
+            <p:nvPr/>
+          </p:nvSpPr>
+          <p:spPr>
+            <a:xfrm>
+              <a:off x="1365662" y="2861608"/>
+              <a:ext cx="8812008" cy="1114065"/>
+            </a:xfrm>
+            <a:prstGeom prst="roundRect">
+              <a:avLst/>
+            </a:prstGeom>
+          </p:spPr>
+          <p:style>
+            <a:lnRef idx="2">
+              <a:schemeClr val="accent6"/>
+            </a:lnRef>
+            <a:fillRef idx="1">
+              <a:schemeClr val="lt1"/>
+            </a:fillRef>
+            <a:effectRef idx="0">
+              <a:schemeClr val="accent6"/>
+            </a:effectRef>
+            <a:fontRef idx="minor">
+              <a:schemeClr val="dk1"/>
+            </a:fontRef>
+          </p:style>
+          <p:txBody>
+            <a:bodyPr rtlCol="0" anchor="ctr"/>
+            <a:lstStyle/>
+            <a:p>
+              <a:r>
+                <a:rPr lang="en-US" altLang="zh-CN" dirty="0" smtClean="0"/>
+                <a:t>map</a:t>
+              </a:r>
+              <a:endParaRPr lang="en-US" dirty="0"/>
+            </a:p>
+          </p:txBody>
+        </p:sp>
+        <p:sp>
+          <p:nvSpPr>
+            <p:cNvPr id="19" name="Rounded Rectangle 18"/>
+            <p:cNvSpPr/>
+            <p:nvPr/>
+          </p:nvSpPr>
+          <p:spPr>
+            <a:xfrm>
+              <a:off x="1365662" y="766450"/>
+              <a:ext cx="8812008" cy="1810903"/>
+            </a:xfrm>
+            <a:prstGeom prst="roundRect">
+              <a:avLst/>
+            </a:prstGeom>
+          </p:spPr>
+          <p:style>
+            <a:lnRef idx="2">
+              <a:schemeClr val="accent6"/>
+            </a:lnRef>
+            <a:fillRef idx="1">
+              <a:schemeClr val="lt1"/>
+            </a:fillRef>
+            <a:effectRef idx="0">
+              <a:schemeClr val="accent6"/>
+            </a:effectRef>
+            <a:fontRef idx="minor">
+              <a:schemeClr val="dk1"/>
+            </a:fontRef>
+          </p:style>
+          <p:txBody>
+            <a:bodyPr rtlCol="0" anchor="ctr"/>
+            <a:lstStyle/>
+            <a:p>
+              <a:r>
+                <a:rPr lang="en-US" altLang="zh-CN" dirty="0" smtClean="0"/>
+                <a:t>create</a:t>
+              </a:r>
+              <a:endParaRPr lang="en-US" dirty="0"/>
+            </a:p>
+          </p:txBody>
+        </p:sp>
+        <p:sp>
+          <p:nvSpPr>
+            <p:cNvPr id="5" name="Rectangle 4"/>
+            <p:cNvSpPr/>
+            <p:nvPr/>
+          </p:nvSpPr>
+          <p:spPr>
+            <a:xfrm>
+              <a:off x="2963068" y="1366696"/>
+              <a:ext cx="2523332" cy="494921"/>
+            </a:xfrm>
+            <a:prstGeom prst="rect">
+              <a:avLst/>
+            </a:prstGeom>
+          </p:spPr>
+          <p:style>
+            <a:lnRef idx="2">
+              <a:schemeClr val="accent1">
+                <a:shade val="50000"/>
+              </a:schemeClr>
+            </a:lnRef>
+            <a:fillRef idx="1">
+              <a:schemeClr val="accent1"/>
+            </a:fillRef>
+            <a:effectRef idx="0">
+              <a:schemeClr val="accent1"/>
+            </a:effectRef>
+            <a:fontRef idx="minor">
+              <a:schemeClr val="lt1"/>
+            </a:fontRef>
+          </p:style>
+          <p:txBody>
+            <a:bodyPr rtlCol="0" anchor="ctr"/>
+            <a:lstStyle/>
+            <a:p>
+              <a:pPr algn="ctr"/>
+              <a:r>
+                <a:rPr lang="en-US" altLang="zh-CN" sz="1600" dirty="0"/>
+                <a:t>n</a:t>
+              </a:r>
+              <a:r>
+                <a:rPr lang="en-US" altLang="zh-CN" sz="1600" dirty="0" smtClean="0"/>
+                <a:t>ew</a:t>
+              </a:r>
+              <a:r>
+                <a:rPr lang="zh-CN" altLang="en-US" sz="1600" dirty="0" smtClean="0"/>
+                <a:t> </a:t>
+              </a:r>
+              <a:r>
+                <a:rPr lang="en-US" sz="1600" dirty="0" err="1" smtClean="0"/>
+                <a:t>OnSubscribe#call</a:t>
+              </a:r>
+              <a:endParaRPr lang="en-US" sz="1600" dirty="0"/>
+            </a:p>
+          </p:txBody>
+        </p:sp>
+        <p:sp>
+          <p:nvSpPr>
+            <p:cNvPr id="8" name="Rectangle 7"/>
+            <p:cNvSpPr/>
+            <p:nvPr/>
+          </p:nvSpPr>
+          <p:spPr>
+            <a:xfrm>
+              <a:off x="7014833" y="1366696"/>
+              <a:ext cx="2523332" cy="494921"/>
+            </a:xfrm>
+            <a:prstGeom prst="rect">
+              <a:avLst/>
+            </a:prstGeom>
+          </p:spPr>
+          <p:style>
+            <a:lnRef idx="2">
+              <a:schemeClr val="accent1">
+                <a:shade val="50000"/>
+              </a:schemeClr>
+            </a:lnRef>
+            <a:fillRef idx="1">
+              <a:schemeClr val="accent1"/>
+            </a:fillRef>
+            <a:effectRef idx="0">
+              <a:schemeClr val="accent1"/>
+            </a:effectRef>
+            <a:fontRef idx="minor">
+              <a:schemeClr val="lt1"/>
+            </a:fontRef>
+          </p:style>
+          <p:txBody>
+            <a:bodyPr rtlCol="0" anchor="ctr"/>
+            <a:lstStyle/>
+            <a:p>
+              <a:pPr algn="ctr"/>
+              <a:r>
+                <a:rPr lang="en-US" sz="1600" dirty="0" err="1"/>
+                <a:t>Subscriber#onNext</a:t>
+              </a:r>
+              <a:endParaRPr lang="en-US" sz="1600" dirty="0"/>
+            </a:p>
+          </p:txBody>
+        </p:sp>
+        <p:sp>
+          <p:nvSpPr>
+            <p:cNvPr id="9" name="Rectangle 8"/>
+            <p:cNvSpPr/>
+            <p:nvPr/>
+          </p:nvSpPr>
+          <p:spPr>
+            <a:xfrm>
+              <a:off x="6719826" y="5571717"/>
+              <a:ext cx="3190656" cy="494921"/>
+            </a:xfrm>
+            <a:prstGeom prst="rect">
+              <a:avLst/>
+            </a:prstGeom>
+          </p:spPr>
+          <p:style>
+            <a:lnRef idx="2">
+              <a:schemeClr val="accent1">
+                <a:shade val="50000"/>
+              </a:schemeClr>
+            </a:lnRef>
+            <a:fillRef idx="1">
+              <a:schemeClr val="accent1"/>
+            </a:fillRef>
+            <a:effectRef idx="0">
+              <a:schemeClr val="accent1"/>
+            </a:effectRef>
+            <a:fontRef idx="minor">
+              <a:schemeClr val="lt1"/>
+            </a:fontRef>
+          </p:style>
+          <p:txBody>
+            <a:bodyPr rtlCol="0" anchor="ctr"/>
+            <a:lstStyle/>
+            <a:p>
+              <a:pPr algn="ctr"/>
+              <a:r>
+                <a:rPr lang="en-US" sz="1600" dirty="0" err="1"/>
+                <a:t>ObserveOnSubscriber#onNext</a:t>
+              </a:r>
+              <a:endParaRPr lang="en-US" sz="1600" dirty="0"/>
+            </a:p>
+          </p:txBody>
+        </p:sp>
+        <p:sp>
+          <p:nvSpPr>
+            <p:cNvPr id="13" name="Up Arrow 12"/>
+            <p:cNvSpPr/>
+            <p:nvPr/>
+          </p:nvSpPr>
+          <p:spPr>
+            <a:xfrm>
+              <a:off x="4099843" y="1869192"/>
+              <a:ext cx="249782" cy="1269215"/>
+            </a:xfrm>
+            <a:prstGeom prst="upArrow">
+              <a:avLst/>
+            </a:prstGeom>
+            <a:solidFill>
+              <a:schemeClr val="accent4"/>
+            </a:solidFill>
+            <a:ln w="12700" cmpd="sng">
+              <a:solidFill>
+                <a:schemeClr val="accent1">
+                  <a:shade val="50000"/>
+                </a:schemeClr>
+              </a:solidFill>
+              <a:prstDash val="solid"/>
+            </a:ln>
+            <a:effectLst/>
+          </p:spPr>
+          <p:style>
+            <a:lnRef idx="2">
+              <a:schemeClr val="accent1">
+                <a:shade val="50000"/>
+              </a:schemeClr>
+            </a:lnRef>
+            <a:fillRef idx="1">
+              <a:schemeClr val="accent1"/>
+            </a:fillRef>
+            <a:effectRef idx="0">
+              <a:schemeClr val="accent1"/>
+            </a:effectRef>
+            <a:fontRef idx="minor">
+              <a:schemeClr val="lt1"/>
+            </a:fontRef>
+          </p:style>
+          <p:txBody>
+            <a:bodyPr rtlCol="0" anchor="ctr"/>
+            <a:lstStyle/>
+            <a:p>
+              <a:pPr algn="ctr"/>
+              <a:endParaRPr lang="en-US"/>
+            </a:p>
+          </p:txBody>
+        </p:sp>
+        <p:sp>
+          <p:nvSpPr>
+            <p:cNvPr id="17" name="Right Arrow 16"/>
+            <p:cNvSpPr/>
+            <p:nvPr/>
+          </p:nvSpPr>
+          <p:spPr>
+            <a:xfrm>
+              <a:off x="5486397" y="1463998"/>
+              <a:ext cx="1528435" cy="266682"/>
+            </a:xfrm>
+            <a:prstGeom prst="rightArrow">
+              <a:avLst/>
+            </a:prstGeom>
+            <a:solidFill>
+              <a:schemeClr val="accent6"/>
+            </a:solidFill>
+            <a:ln>
+              <a:prstDash val="dash"/>
+            </a:ln>
+          </p:spPr>
+          <p:style>
+            <a:lnRef idx="2">
+              <a:schemeClr val="accent1">
+                <a:shade val="50000"/>
+              </a:schemeClr>
+            </a:lnRef>
+            <a:fillRef idx="1">
+              <a:schemeClr val="accent1"/>
+            </a:fillRef>
+            <a:effectRef idx="0">
+              <a:schemeClr val="accent1"/>
+            </a:effectRef>
+            <a:fontRef idx="minor">
+              <a:schemeClr val="lt1"/>
+            </a:fontRef>
+          </p:style>
+          <p:txBody>
+            <a:bodyPr rtlCol="0" anchor="ctr"/>
+            <a:lstStyle/>
+            <a:p>
+              <a:pPr algn="ctr"/>
+              <a:endParaRPr lang="en-US"/>
+            </a:p>
+          </p:txBody>
+        </p:sp>
+        <p:sp>
+          <p:nvSpPr>
+            <p:cNvPr id="18" name="Down Arrow 17"/>
+            <p:cNvSpPr/>
+            <p:nvPr/>
+          </p:nvSpPr>
+          <p:spPr>
+            <a:xfrm>
+              <a:off x="8151890" y="1861616"/>
+              <a:ext cx="249217" cy="1276790"/>
+            </a:xfrm>
+            <a:prstGeom prst="downArrow">
+              <a:avLst/>
+            </a:prstGeom>
+            <a:solidFill>
+              <a:schemeClr val="accent6"/>
+            </a:solidFill>
+          </p:spPr>
+          <p:style>
+            <a:lnRef idx="2">
+              <a:schemeClr val="accent1">
+                <a:shade val="50000"/>
+              </a:schemeClr>
+            </a:lnRef>
+            <a:fillRef idx="1">
+              <a:schemeClr val="accent1"/>
+            </a:fillRef>
+            <a:effectRef idx="0">
+              <a:schemeClr val="accent1"/>
+            </a:effectRef>
+            <a:fontRef idx="minor">
+              <a:schemeClr val="lt1"/>
+            </a:fontRef>
+          </p:style>
+          <p:txBody>
+            <a:bodyPr rtlCol="0" anchor="ctr"/>
+            <a:lstStyle/>
+            <a:p>
+              <a:pPr algn="ctr"/>
+              <a:endParaRPr lang="en-US"/>
+            </a:p>
+          </p:txBody>
+        </p:sp>
+        <p:sp>
+          <p:nvSpPr>
+            <p:cNvPr id="16" name="Rectangle 15"/>
+            <p:cNvSpPr/>
+            <p:nvPr/>
+          </p:nvSpPr>
+          <p:spPr>
+            <a:xfrm>
+              <a:off x="2800524" y="4353759"/>
+              <a:ext cx="2848419" cy="494921"/>
+            </a:xfrm>
+            <a:prstGeom prst="rect">
+              <a:avLst/>
+            </a:prstGeom>
+          </p:spPr>
+          <p:style>
+            <a:lnRef idx="2">
+              <a:schemeClr val="accent1">
+                <a:shade val="50000"/>
+              </a:schemeClr>
+            </a:lnRef>
+            <a:fillRef idx="1">
+              <a:schemeClr val="accent1"/>
+            </a:fillRef>
+            <a:effectRef idx="0">
+              <a:schemeClr val="accent1"/>
+            </a:effectRef>
+            <a:fontRef idx="minor">
+              <a:schemeClr val="lt1"/>
+            </a:fontRef>
+          </p:style>
+          <p:txBody>
+            <a:bodyPr rtlCol="0" anchor="ctr"/>
+            <a:lstStyle/>
+            <a:p>
+              <a:pPr algn="ctr"/>
+              <a:r>
+                <a:rPr lang="en-US" sz="1600" dirty="0" err="1"/>
+                <a:t>OperatorSubscribeOn#</a:t>
+              </a:r>
+              <a:r>
+                <a:rPr lang="en-US" altLang="zh-CN" sz="1600" dirty="0" err="1"/>
+                <a:t>call</a:t>
+              </a:r>
+              <a:endParaRPr lang="en-US" sz="1600" dirty="0"/>
+            </a:p>
+          </p:txBody>
+        </p:sp>
+        <p:sp>
+          <p:nvSpPr>
+            <p:cNvPr id="20" name="Rectangle 19"/>
+            <p:cNvSpPr/>
+            <p:nvPr/>
+          </p:nvSpPr>
+          <p:spPr>
+            <a:xfrm>
+              <a:off x="2963068" y="3138407"/>
+              <a:ext cx="2523332" cy="494921"/>
+            </a:xfrm>
+            <a:prstGeom prst="rect">
+              <a:avLst/>
+            </a:prstGeom>
+          </p:spPr>
+          <p:style>
+            <a:lnRef idx="2">
+              <a:schemeClr val="accent1">
+                <a:shade val="50000"/>
+              </a:schemeClr>
+            </a:lnRef>
+            <a:fillRef idx="1">
+              <a:schemeClr val="accent1"/>
+            </a:fillRef>
+            <a:effectRef idx="0">
+              <a:schemeClr val="accent1"/>
+            </a:effectRef>
+            <a:fontRef idx="minor">
+              <a:schemeClr val="lt1"/>
+            </a:fontRef>
+          </p:style>
+          <p:txBody>
+            <a:bodyPr rtlCol="0" anchor="ctr"/>
+            <a:lstStyle/>
+            <a:p>
+              <a:pPr algn="ctr"/>
+              <a:r>
+                <a:rPr lang="en-US" sz="1600" dirty="0" err="1"/>
+                <a:t>OnSubscribeMap#</a:t>
+              </a:r>
+              <a:r>
+                <a:rPr lang="en-US" altLang="zh-CN" sz="1600" dirty="0" err="1"/>
+                <a:t>call</a:t>
+              </a:r>
+              <a:endParaRPr lang="en-US" sz="1600" dirty="0"/>
+            </a:p>
+          </p:txBody>
+        </p:sp>
+        <p:sp>
+          <p:nvSpPr>
+            <p:cNvPr id="21" name="Up Arrow 20"/>
+            <p:cNvSpPr/>
+            <p:nvPr/>
+          </p:nvSpPr>
+          <p:spPr>
+            <a:xfrm>
+              <a:off x="4099843" y="3633328"/>
+              <a:ext cx="249782" cy="720431"/>
+            </a:xfrm>
+            <a:prstGeom prst="upArrow">
+              <a:avLst/>
+            </a:prstGeom>
+            <a:solidFill>
+              <a:schemeClr val="accent4"/>
+            </a:solidFill>
+            <a:ln w="12700" cmpd="sng">
+              <a:solidFill>
+                <a:schemeClr val="accent1">
+                  <a:shade val="50000"/>
+                </a:schemeClr>
+              </a:solidFill>
+              <a:prstDash val="dash"/>
+            </a:ln>
+            <a:effectLst/>
+          </p:spPr>
+          <p:style>
+            <a:lnRef idx="2">
+              <a:schemeClr val="accent1">
+                <a:shade val="50000"/>
+              </a:schemeClr>
+            </a:lnRef>
+            <a:fillRef idx="1">
+              <a:schemeClr val="accent1"/>
+            </a:fillRef>
+            <a:effectRef idx="0">
+              <a:schemeClr val="accent1"/>
+            </a:effectRef>
+            <a:fontRef idx="minor">
+              <a:schemeClr val="lt1"/>
+            </a:fontRef>
+          </p:style>
+          <p:txBody>
+            <a:bodyPr rtlCol="0" anchor="ctr"/>
+            <a:lstStyle/>
+            <a:p>
+              <a:pPr algn="ctr"/>
+              <a:endParaRPr lang="en-US"/>
+            </a:p>
+          </p:txBody>
+        </p:sp>
+        <p:sp>
+          <p:nvSpPr>
+            <p:cNvPr id="22" name="Rectangle 21"/>
+            <p:cNvSpPr/>
+            <p:nvPr/>
+          </p:nvSpPr>
+          <p:spPr>
+            <a:xfrm>
+              <a:off x="7015115" y="3146442"/>
+              <a:ext cx="2523332" cy="494921"/>
+            </a:xfrm>
+            <a:prstGeom prst="rect">
+              <a:avLst/>
+            </a:prstGeom>
+          </p:spPr>
+          <p:style>
+            <a:lnRef idx="2">
+              <a:schemeClr val="accent1">
+                <a:shade val="50000"/>
+              </a:schemeClr>
+            </a:lnRef>
+            <a:fillRef idx="1">
+              <a:schemeClr val="accent1"/>
+            </a:fillRef>
+            <a:effectRef idx="0">
+              <a:schemeClr val="accent1"/>
+            </a:effectRef>
+            <a:fontRef idx="minor">
+              <a:schemeClr val="lt1"/>
+            </a:fontRef>
+          </p:style>
+          <p:txBody>
+            <a:bodyPr rtlCol="0" anchor="ctr"/>
+            <a:lstStyle/>
+            <a:p>
+              <a:pPr algn="ctr"/>
+              <a:r>
+                <a:rPr lang="en-US" sz="1600" dirty="0" err="1"/>
+                <a:t>MapSubscriber#onNext</a:t>
+              </a:r>
+              <a:endParaRPr lang="en-US" sz="1600" dirty="0"/>
+            </a:p>
+          </p:txBody>
+        </p:sp>
+        <p:sp>
+          <p:nvSpPr>
+            <p:cNvPr id="2" name="Down Arrow 1"/>
+            <p:cNvSpPr/>
+            <p:nvPr/>
+          </p:nvSpPr>
+          <p:spPr>
+            <a:xfrm>
+              <a:off x="8151890" y="3641363"/>
+              <a:ext cx="249219" cy="1930354"/>
+            </a:xfrm>
+            <a:prstGeom prst="downArrow">
+              <a:avLst/>
+            </a:prstGeom>
+            <a:solidFill>
+              <a:schemeClr val="accent6"/>
+            </a:solidFill>
+          </p:spPr>
+          <p:style>
+            <a:lnRef idx="2">
+              <a:schemeClr val="accent1">
+                <a:shade val="50000"/>
+              </a:schemeClr>
+            </a:lnRef>
+            <a:fillRef idx="1">
+              <a:schemeClr val="accent1"/>
+            </a:fillRef>
+            <a:effectRef idx="0">
+              <a:schemeClr val="accent1"/>
+            </a:effectRef>
+            <a:fontRef idx="minor">
+              <a:schemeClr val="lt1"/>
+            </a:fontRef>
+          </p:style>
+          <p:txBody>
+            <a:bodyPr rtlCol="0" anchor="ctr"/>
+            <a:lstStyle/>
+            <a:p>
+              <a:pPr algn="ctr"/>
+              <a:endParaRPr lang="en-US"/>
+            </a:p>
+          </p:txBody>
+        </p:sp>
+        <p:sp>
+          <p:nvSpPr>
+            <p:cNvPr id="24" name="Rectangle 23"/>
+            <p:cNvSpPr/>
+            <p:nvPr/>
+          </p:nvSpPr>
+          <p:spPr>
+            <a:xfrm>
+              <a:off x="2963067" y="6610538"/>
+              <a:ext cx="2523332" cy="494921"/>
+            </a:xfrm>
+            <a:prstGeom prst="rect">
+              <a:avLst/>
+            </a:prstGeom>
+          </p:spPr>
+          <p:style>
+            <a:lnRef idx="2">
+              <a:schemeClr val="accent1">
+                <a:shade val="50000"/>
+              </a:schemeClr>
+            </a:lnRef>
+            <a:fillRef idx="1">
+              <a:schemeClr val="accent1"/>
+            </a:fillRef>
+            <a:effectRef idx="0">
+              <a:schemeClr val="accent1"/>
+            </a:effectRef>
+            <a:fontRef idx="minor">
+              <a:schemeClr val="lt1"/>
+            </a:fontRef>
+          </p:style>
+          <p:txBody>
+            <a:bodyPr rtlCol="0" anchor="ctr"/>
+            <a:lstStyle/>
+            <a:p>
+              <a:pPr algn="ctr"/>
+              <a:r>
+                <a:rPr lang="en-US" sz="1600" dirty="0" err="1"/>
+                <a:t>Observable#subscribe</a:t>
+              </a:r>
+              <a:endParaRPr lang="en-US" sz="1600" dirty="0"/>
+            </a:p>
+          </p:txBody>
+        </p:sp>
+        <p:sp>
+          <p:nvSpPr>
+            <p:cNvPr id="25" name="Up Arrow 24"/>
+            <p:cNvSpPr/>
+            <p:nvPr/>
+          </p:nvSpPr>
+          <p:spPr>
+            <a:xfrm>
+              <a:off x="4099843" y="4848679"/>
+              <a:ext cx="249782" cy="1754283"/>
+            </a:xfrm>
+            <a:prstGeom prst="upArrow">
+              <a:avLst/>
+            </a:prstGeom>
+          </p:spPr>
+          <p:style>
+            <a:lnRef idx="2">
+              <a:schemeClr val="accent1">
+                <a:shade val="50000"/>
+              </a:schemeClr>
+            </a:lnRef>
+            <a:fillRef idx="1">
+              <a:schemeClr val="accent1"/>
+            </a:fillRef>
+            <a:effectRef idx="0">
+              <a:schemeClr val="accent1"/>
+            </a:effectRef>
+            <a:fontRef idx="minor">
+              <a:schemeClr val="lt1"/>
+            </a:fontRef>
+          </p:style>
+          <p:txBody>
+            <a:bodyPr rtlCol="0" anchor="ctr"/>
+            <a:lstStyle/>
+            <a:p>
+              <a:pPr algn="ctr"/>
+              <a:endParaRPr lang="en-US"/>
+            </a:p>
+          </p:txBody>
+        </p:sp>
+        <p:sp>
+          <p:nvSpPr>
+            <p:cNvPr id="27" name="Rectangle 26"/>
+            <p:cNvSpPr/>
+            <p:nvPr/>
+          </p:nvSpPr>
+          <p:spPr>
+            <a:xfrm>
+              <a:off x="7014833" y="6610539"/>
+              <a:ext cx="2523332" cy="494921"/>
+            </a:xfrm>
+            <a:prstGeom prst="rect">
+              <a:avLst/>
+            </a:prstGeom>
+          </p:spPr>
+          <p:style>
+            <a:lnRef idx="2">
+              <a:schemeClr val="accent1">
+                <a:shade val="50000"/>
+              </a:schemeClr>
+            </a:lnRef>
+            <a:fillRef idx="1">
+              <a:schemeClr val="accent1"/>
+            </a:fillRef>
+            <a:effectRef idx="0">
+              <a:schemeClr val="accent1"/>
+            </a:effectRef>
+            <a:fontRef idx="minor">
+              <a:schemeClr val="lt1"/>
+            </a:fontRef>
+          </p:style>
+          <p:txBody>
+            <a:bodyPr rtlCol="0" anchor="ctr"/>
+            <a:lstStyle/>
+            <a:p>
+              <a:pPr algn="ctr"/>
+              <a:r>
+                <a:rPr lang="en-US" altLang="zh-CN" sz="1600" dirty="0"/>
+                <a:t>Action1</a:t>
+              </a:r>
+              <a:r>
+                <a:rPr lang="en-US" sz="1600" dirty="0"/>
+                <a:t>#onNext</a:t>
+              </a:r>
+            </a:p>
+          </p:txBody>
+        </p:sp>
+        <p:sp>
+          <p:nvSpPr>
+            <p:cNvPr id="3" name="Down Arrow 2"/>
+            <p:cNvSpPr/>
+            <p:nvPr/>
+          </p:nvSpPr>
+          <p:spPr>
+            <a:xfrm>
+              <a:off x="8151890" y="6061156"/>
+              <a:ext cx="249218" cy="541807"/>
+            </a:xfrm>
+            <a:prstGeom prst="downArrow">
+              <a:avLst/>
+            </a:prstGeom>
+            <a:solidFill>
+              <a:schemeClr val="accent3"/>
+            </a:solidFill>
+            <a:ln>
+              <a:prstDash val="dash"/>
+            </a:ln>
+          </p:spPr>
+          <p:style>
+            <a:lnRef idx="2">
+              <a:schemeClr val="accent1">
+                <a:shade val="50000"/>
+              </a:schemeClr>
+            </a:lnRef>
+            <a:fillRef idx="1">
+              <a:schemeClr val="accent1"/>
+            </a:fillRef>
+            <a:effectRef idx="0">
+              <a:schemeClr val="accent1"/>
+            </a:effectRef>
+            <a:fontRef idx="minor">
+              <a:schemeClr val="lt1"/>
+            </a:fontRef>
+          </p:style>
+          <p:txBody>
+            <a:bodyPr rtlCol="0" anchor="ctr"/>
+            <a:lstStyle/>
+            <a:p>
+              <a:pPr algn="ctr"/>
+              <a:endParaRPr lang="en-US"/>
+            </a:p>
+          </p:txBody>
+        </p:sp>
+      </p:grpSp>
+    </p:spTree>
+    <p:extLst>
+      <p:ext uri="{BB962C8B-B14F-4D97-AF65-F5344CB8AC3E}">
+        <p14:creationId xmlns:p14="http://schemas.microsoft.com/office/powerpoint/2010/main" val="33446747"/>
       </p:ext>
     </p:extLst>
   </p:cSld>

--- a/raw/RxJava_call_stack.pptx
+++ b/raw/RxJava_call_stack.pptx
@@ -9,6 +9,7 @@
     <p:sldId id="257" r:id="rId3"/>
     <p:sldId id="259" r:id="rId4"/>
     <p:sldId id="260" r:id="rId5"/>
+    <p:sldId id="261" r:id="rId6"/>
   </p:sldIdLst>
   <p:sldSz cx="12192000" cy="6858000"/>
   <p:notesSz cx="6858000" cy="9144000"/>
@@ -246,7 +247,7 @@
           <a:p>
             <a:fld id="{EF495657-9FD4-6C41-9373-3E73595B93EA}" type="datetimeFigureOut">
               <a:rPr lang="en-US" smtClean="0"/>
-              <a:t>10/14/16</a:t>
+              <a:t>11/5/16</a:t>
             </a:fld>
             <a:endParaRPr lang="en-US"/>
           </a:p>
@@ -416,7 +417,7 @@
           <a:p>
             <a:fld id="{EF495657-9FD4-6C41-9373-3E73595B93EA}" type="datetimeFigureOut">
               <a:rPr lang="en-US" smtClean="0"/>
-              <a:t>10/14/16</a:t>
+              <a:t>11/5/16</a:t>
             </a:fld>
             <a:endParaRPr lang="en-US"/>
           </a:p>
@@ -596,7 +597,7 @@
           <a:p>
             <a:fld id="{EF495657-9FD4-6C41-9373-3E73595B93EA}" type="datetimeFigureOut">
               <a:rPr lang="en-US" smtClean="0"/>
-              <a:t>10/14/16</a:t>
+              <a:t>11/5/16</a:t>
             </a:fld>
             <a:endParaRPr lang="en-US"/>
           </a:p>
@@ -766,7 +767,7 @@
           <a:p>
             <a:fld id="{EF495657-9FD4-6C41-9373-3E73595B93EA}" type="datetimeFigureOut">
               <a:rPr lang="en-US" smtClean="0"/>
-              <a:t>10/14/16</a:t>
+              <a:t>11/5/16</a:t>
             </a:fld>
             <a:endParaRPr lang="en-US"/>
           </a:p>
@@ -1012,7 +1013,7 @@
           <a:p>
             <a:fld id="{EF495657-9FD4-6C41-9373-3E73595B93EA}" type="datetimeFigureOut">
               <a:rPr lang="en-US" smtClean="0"/>
-              <a:t>10/14/16</a:t>
+              <a:t>11/5/16</a:t>
             </a:fld>
             <a:endParaRPr lang="en-US"/>
           </a:p>
@@ -1244,7 +1245,7 @@
           <a:p>
             <a:fld id="{EF495657-9FD4-6C41-9373-3E73595B93EA}" type="datetimeFigureOut">
               <a:rPr lang="en-US" smtClean="0"/>
-              <a:t>10/14/16</a:t>
+              <a:t>11/5/16</a:t>
             </a:fld>
             <a:endParaRPr lang="en-US"/>
           </a:p>
@@ -1611,7 +1612,7 @@
           <a:p>
             <a:fld id="{EF495657-9FD4-6C41-9373-3E73595B93EA}" type="datetimeFigureOut">
               <a:rPr lang="en-US" smtClean="0"/>
-              <a:t>10/14/16</a:t>
+              <a:t>11/5/16</a:t>
             </a:fld>
             <a:endParaRPr lang="en-US"/>
           </a:p>
@@ -1729,7 +1730,7 @@
           <a:p>
             <a:fld id="{EF495657-9FD4-6C41-9373-3E73595B93EA}" type="datetimeFigureOut">
               <a:rPr lang="en-US" smtClean="0"/>
-              <a:t>10/14/16</a:t>
+              <a:t>11/5/16</a:t>
             </a:fld>
             <a:endParaRPr lang="en-US"/>
           </a:p>
@@ -1824,7 +1825,7 @@
           <a:p>
             <a:fld id="{EF495657-9FD4-6C41-9373-3E73595B93EA}" type="datetimeFigureOut">
               <a:rPr lang="en-US" smtClean="0"/>
-              <a:t>10/14/16</a:t>
+              <a:t>11/5/16</a:t>
             </a:fld>
             <a:endParaRPr lang="en-US"/>
           </a:p>
@@ -2101,7 +2102,7 @@
           <a:p>
             <a:fld id="{EF495657-9FD4-6C41-9373-3E73595B93EA}" type="datetimeFigureOut">
               <a:rPr lang="en-US" smtClean="0"/>
-              <a:t>10/14/16</a:t>
+              <a:t>11/5/16</a:t>
             </a:fld>
             <a:endParaRPr lang="en-US"/>
           </a:p>
@@ -2354,7 +2355,7 @@
           <a:p>
             <a:fld id="{EF495657-9FD4-6C41-9373-3E73595B93EA}" type="datetimeFigureOut">
               <a:rPr lang="en-US" smtClean="0"/>
-              <a:t>10/14/16</a:t>
+              <a:t>11/5/16</a:t>
             </a:fld>
             <a:endParaRPr lang="en-US"/>
           </a:p>
@@ -2567,7 +2568,7 @@
           <a:p>
             <a:fld id="{EF495657-9FD4-6C41-9373-3E73595B93EA}" type="datetimeFigureOut">
               <a:rPr lang="en-US" smtClean="0"/>
-              <a:t>10/14/16</a:t>
+              <a:t>11/5/16</a:t>
             </a:fld>
             <a:endParaRPr lang="en-US"/>
           </a:p>
@@ -6238,6 +6239,377 @@
 </p:sld>
 </file>
 
+<file path=ppt/slides/slide5.xml><?xml version="1.0" encoding="utf-8"?>
+<p:sld xmlns:a="http://schemas.openxmlformats.org/drawingml/2006/main" xmlns:r="http://schemas.openxmlformats.org/officeDocument/2006/relationships" xmlns:p="http://schemas.openxmlformats.org/presentationml/2006/main">
+  <p:cSld>
+    <p:spTree>
+      <p:nvGrpSpPr>
+        <p:cNvPr id="1" name=""/>
+        <p:cNvGrpSpPr/>
+        <p:nvPr/>
+      </p:nvGrpSpPr>
+      <p:grpSpPr>
+        <a:xfrm>
+          <a:off x="0" y="0"/>
+          <a:ext cx="0" cy="0"/>
+          <a:chOff x="0" y="0"/>
+          <a:chExt cx="0" cy="0"/>
+        </a:xfrm>
+      </p:grpSpPr>
+      <p:sp>
+        <p:nvSpPr>
+          <p:cNvPr id="19" name="Rounded Rectangle 18"/>
+          <p:cNvSpPr/>
+          <p:nvPr/>
+        </p:nvSpPr>
+        <p:spPr>
+          <a:xfrm>
+            <a:off x="2108753" y="2107094"/>
+            <a:ext cx="8000999" cy="1163463"/>
+          </a:xfrm>
+          <a:prstGeom prst="roundRect">
+            <a:avLst/>
+          </a:prstGeom>
+        </p:spPr>
+        <p:style>
+          <a:lnRef idx="2">
+            <a:schemeClr val="accent6"/>
+          </a:lnRef>
+          <a:fillRef idx="1">
+            <a:schemeClr val="lt1"/>
+          </a:fillRef>
+          <a:effectRef idx="0">
+            <a:schemeClr val="accent6"/>
+          </a:effectRef>
+          <a:fontRef idx="minor">
+            <a:schemeClr val="dk1"/>
+          </a:fontRef>
+        </p:style>
+        <p:txBody>
+          <a:bodyPr rtlCol="0" anchor="ctr"/>
+          <a:lstStyle/>
+          <a:p>
+            <a:r>
+              <a:rPr lang="en-US" altLang="zh-CN" dirty="0" smtClean="0"/>
+              <a:t>create</a:t>
+            </a:r>
+            <a:endParaRPr lang="en-US" dirty="0"/>
+          </a:p>
+        </p:txBody>
+      </p:sp>
+      <p:sp>
+        <p:nvSpPr>
+          <p:cNvPr id="4" name="Rectangle 3"/>
+          <p:cNvSpPr/>
+          <p:nvPr/>
+        </p:nvSpPr>
+        <p:spPr>
+          <a:xfrm>
+            <a:off x="3202680" y="3622801"/>
+            <a:ext cx="2523332" cy="494921"/>
+          </a:xfrm>
+          <a:prstGeom prst="rect">
+            <a:avLst/>
+          </a:prstGeom>
+        </p:spPr>
+        <p:style>
+          <a:lnRef idx="2">
+            <a:schemeClr val="accent1">
+              <a:shade val="50000"/>
+            </a:schemeClr>
+          </a:lnRef>
+          <a:fillRef idx="1">
+            <a:schemeClr val="accent1"/>
+          </a:fillRef>
+          <a:effectRef idx="0">
+            <a:schemeClr val="accent1"/>
+          </a:effectRef>
+          <a:fontRef idx="minor">
+            <a:schemeClr val="lt1"/>
+          </a:fontRef>
+        </p:style>
+        <p:txBody>
+          <a:bodyPr rtlCol="0" anchor="ctr"/>
+          <a:lstStyle/>
+          <a:p>
+            <a:pPr algn="ctr"/>
+            <a:r>
+              <a:rPr lang="en-US" dirty="0" err="1" smtClean="0"/>
+              <a:t>Observable#subscribe</a:t>
+            </a:r>
+            <a:endParaRPr lang="en-US" dirty="0"/>
+          </a:p>
+        </p:txBody>
+      </p:sp>
+      <p:sp>
+        <p:nvSpPr>
+          <p:cNvPr id="5" name="Rectangle 4"/>
+          <p:cNvSpPr/>
+          <p:nvPr/>
+        </p:nvSpPr>
+        <p:spPr>
+          <a:xfrm>
+            <a:off x="3202680" y="2433289"/>
+            <a:ext cx="2523332" cy="494921"/>
+          </a:xfrm>
+          <a:prstGeom prst="rect">
+            <a:avLst/>
+          </a:prstGeom>
+        </p:spPr>
+        <p:style>
+          <a:lnRef idx="2">
+            <a:schemeClr val="accent1">
+              <a:shade val="50000"/>
+            </a:schemeClr>
+          </a:lnRef>
+          <a:fillRef idx="1">
+            <a:schemeClr val="accent1"/>
+          </a:fillRef>
+          <a:effectRef idx="0">
+            <a:schemeClr val="accent1"/>
+          </a:effectRef>
+          <a:fontRef idx="minor">
+            <a:schemeClr val="lt1"/>
+          </a:fontRef>
+        </p:style>
+        <p:txBody>
+          <a:bodyPr rtlCol="0" anchor="ctr"/>
+          <a:lstStyle/>
+          <a:p>
+            <a:pPr algn="ctr"/>
+            <a:r>
+              <a:rPr lang="en-US" dirty="0" err="1" smtClean="0"/>
+              <a:t>OnSubscribe#call</a:t>
+            </a:r>
+            <a:endParaRPr lang="en-US" dirty="0"/>
+          </a:p>
+        </p:txBody>
+      </p:sp>
+      <p:sp>
+        <p:nvSpPr>
+          <p:cNvPr id="8" name="Rectangle 7"/>
+          <p:cNvSpPr/>
+          <p:nvPr/>
+        </p:nvSpPr>
+        <p:spPr>
+          <a:xfrm>
+            <a:off x="7254727" y="2433291"/>
+            <a:ext cx="2523332" cy="494921"/>
+          </a:xfrm>
+          <a:prstGeom prst="rect">
+            <a:avLst/>
+          </a:prstGeom>
+        </p:spPr>
+        <p:style>
+          <a:lnRef idx="2">
+            <a:schemeClr val="accent1">
+              <a:shade val="50000"/>
+            </a:schemeClr>
+          </a:lnRef>
+          <a:fillRef idx="1">
+            <a:schemeClr val="accent1"/>
+          </a:fillRef>
+          <a:effectRef idx="0">
+            <a:schemeClr val="accent1"/>
+          </a:effectRef>
+          <a:fontRef idx="minor">
+            <a:schemeClr val="lt1"/>
+          </a:fontRef>
+        </p:style>
+        <p:txBody>
+          <a:bodyPr rtlCol="0" anchor="ctr"/>
+          <a:lstStyle/>
+          <a:p>
+            <a:pPr algn="ctr"/>
+            <a:r>
+              <a:rPr lang="en-US" dirty="0" err="1" smtClean="0"/>
+              <a:t>Subscriber#onNext</a:t>
+            </a:r>
+            <a:endParaRPr lang="en-US" dirty="0"/>
+          </a:p>
+        </p:txBody>
+      </p:sp>
+      <p:sp>
+        <p:nvSpPr>
+          <p:cNvPr id="9" name="Rectangle 8"/>
+          <p:cNvSpPr/>
+          <p:nvPr/>
+        </p:nvSpPr>
+        <p:spPr>
+          <a:xfrm>
+            <a:off x="7254727" y="3622800"/>
+            <a:ext cx="2523332" cy="494921"/>
+          </a:xfrm>
+          <a:prstGeom prst="rect">
+            <a:avLst/>
+          </a:prstGeom>
+        </p:spPr>
+        <p:style>
+          <a:lnRef idx="2">
+            <a:schemeClr val="accent1">
+              <a:shade val="50000"/>
+            </a:schemeClr>
+          </a:lnRef>
+          <a:fillRef idx="1">
+            <a:schemeClr val="accent1"/>
+          </a:fillRef>
+          <a:effectRef idx="0">
+            <a:schemeClr val="accent1"/>
+          </a:effectRef>
+          <a:fontRef idx="minor">
+            <a:schemeClr val="lt1"/>
+          </a:fontRef>
+        </p:style>
+        <p:txBody>
+          <a:bodyPr rtlCol="0" anchor="ctr"/>
+          <a:lstStyle/>
+          <a:p>
+            <a:pPr algn="ctr"/>
+            <a:r>
+              <a:rPr lang="en-US" altLang="zh-CN" dirty="0" err="1" smtClean="0"/>
+              <a:t>Subscriber</a:t>
+            </a:r>
+            <a:r>
+              <a:rPr lang="en-US" dirty="0" err="1" smtClean="0"/>
+              <a:t>#onNext</a:t>
+            </a:r>
+            <a:endParaRPr lang="en-US" dirty="0"/>
+          </a:p>
+        </p:txBody>
+      </p:sp>
+      <p:sp>
+        <p:nvSpPr>
+          <p:cNvPr id="13" name="Up Arrow 12"/>
+          <p:cNvSpPr/>
+          <p:nvPr/>
+        </p:nvSpPr>
+        <p:spPr>
+          <a:xfrm>
+            <a:off x="4359965" y="2928211"/>
+            <a:ext cx="229272" cy="694590"/>
+          </a:xfrm>
+          <a:prstGeom prst="upArrow">
+            <a:avLst/>
+          </a:prstGeom>
+        </p:spPr>
+        <p:style>
+          <a:lnRef idx="2">
+            <a:schemeClr val="accent1">
+              <a:shade val="50000"/>
+            </a:schemeClr>
+          </a:lnRef>
+          <a:fillRef idx="1">
+            <a:schemeClr val="accent1"/>
+          </a:fillRef>
+          <a:effectRef idx="0">
+            <a:schemeClr val="accent1"/>
+          </a:effectRef>
+          <a:fontRef idx="minor">
+            <a:schemeClr val="lt1"/>
+          </a:fontRef>
+        </p:style>
+        <p:txBody>
+          <a:bodyPr rtlCol="0" anchor="ctr"/>
+          <a:lstStyle/>
+          <a:p>
+            <a:pPr algn="ctr"/>
+            <a:endParaRPr lang="en-US"/>
+          </a:p>
+        </p:txBody>
+      </p:sp>
+      <p:sp>
+        <p:nvSpPr>
+          <p:cNvPr id="17" name="Right Arrow 16"/>
+          <p:cNvSpPr/>
+          <p:nvPr/>
+        </p:nvSpPr>
+        <p:spPr>
+          <a:xfrm>
+            <a:off x="5726012" y="2530592"/>
+            <a:ext cx="1528715" cy="262955"/>
+          </a:xfrm>
+          <a:prstGeom prst="rightArrow">
+            <a:avLst/>
+          </a:prstGeom>
+        </p:spPr>
+        <p:style>
+          <a:lnRef idx="2">
+            <a:schemeClr val="accent1">
+              <a:shade val="50000"/>
+            </a:schemeClr>
+          </a:lnRef>
+          <a:fillRef idx="1">
+            <a:schemeClr val="accent1"/>
+          </a:fillRef>
+          <a:effectRef idx="0">
+            <a:schemeClr val="accent1"/>
+          </a:effectRef>
+          <a:fontRef idx="minor">
+            <a:schemeClr val="lt1"/>
+          </a:fontRef>
+        </p:style>
+        <p:txBody>
+          <a:bodyPr rtlCol="0" anchor="ctr"/>
+          <a:lstStyle/>
+          <a:p>
+            <a:pPr algn="ctr"/>
+            <a:endParaRPr lang="en-US"/>
+          </a:p>
+        </p:txBody>
+      </p:sp>
+      <p:sp>
+        <p:nvSpPr>
+          <p:cNvPr id="18" name="Down Arrow 17"/>
+          <p:cNvSpPr/>
+          <p:nvPr/>
+        </p:nvSpPr>
+        <p:spPr>
+          <a:xfrm>
+            <a:off x="8391502" y="2928210"/>
+            <a:ext cx="249218" cy="694590"/>
+          </a:xfrm>
+          <a:prstGeom prst="downArrow">
+            <a:avLst/>
+          </a:prstGeom>
+        </p:spPr>
+        <p:style>
+          <a:lnRef idx="2">
+            <a:schemeClr val="accent1">
+              <a:shade val="50000"/>
+            </a:schemeClr>
+          </a:lnRef>
+          <a:fillRef idx="1">
+            <a:schemeClr val="accent1"/>
+          </a:fillRef>
+          <a:effectRef idx="0">
+            <a:schemeClr val="accent1"/>
+          </a:effectRef>
+          <a:fontRef idx="minor">
+            <a:schemeClr val="lt1"/>
+          </a:fontRef>
+        </p:style>
+        <p:txBody>
+          <a:bodyPr rtlCol="0" anchor="ctr"/>
+          <a:lstStyle/>
+          <a:p>
+            <a:pPr algn="ctr"/>
+            <a:endParaRPr lang="en-US"/>
+          </a:p>
+        </p:txBody>
+      </p:sp>
+    </p:spTree>
+    <p:extLst>
+      <p:ext uri="{BB962C8B-B14F-4D97-AF65-F5344CB8AC3E}">
+        <p14:creationId xmlns:p14="http://schemas.microsoft.com/office/powerpoint/2010/main" val="1038035375"/>
+      </p:ext>
+    </p:extLst>
+  </p:cSld>
+  <p:clrMapOvr>
+    <a:masterClrMapping/>
+  </p:clrMapOvr>
+</p:sld>
+</file>
+
 <file path=ppt/theme/theme1.xml><?xml version="1.0" encoding="utf-8"?>
 <a:theme xmlns:a="http://schemas.openxmlformats.org/drawingml/2006/main" name="Office Theme">
   <a:themeElements>
